--- a/Physiological_Modelling/Arbejdsblade/Nodes.pptx
+++ b/Physiological_Modelling/Arbejdsblade/Nodes.pptx
@@ -137,7 +137,7 @@
             <p14:sldId id="264"/>
           </p14:sldIdLst>
         </p14:section>
-        <p14:section name="TriSeg2022" id="{EFDE7E4A-73CA-4E56-93E9-138252DB799B}">
+        <p14:section name="TriSeg" id="{EFDE7E4A-73CA-4E56-93E9-138252DB799B}">
           <p14:sldIdLst>
             <p14:sldId id="262"/>
             <p14:sldId id="263"/>
@@ -157,14 +157,6 @@
     </p:ext>
   </p:extLst>
 </p:presentation>
-</file>
-
-<file path=ppt/revisionInfo.xml><?xml version="1.0" encoding="utf-8"?>
-<p1510:revInfo xmlns:a="http://schemas.openxmlformats.org/drawingml/2006/main" xmlns:r="http://schemas.openxmlformats.org/officeDocument/2006/relationships" xmlns:p1510="http://schemas.microsoft.com/office/powerpoint/2015/10/main">
-  <p1510:revLst>
-    <p1510:client id="{1385BA8A-3B8D-4FB1-821F-AF3D59C04454}" v="5" dt="2023-10-12T08:56:07.285"/>
-  </p1510:revLst>
-</p1510:revInfo>
 </file>
 
 <file path=ppt/changesInfos/changesInfo1.xml><?xml version="1.0" encoding="utf-8"?>
@@ -622,6 +614,151 @@
       </pc:sldChg>
     </pc:docChg>
   </pc:docChgLst>
+  <pc:docChgLst>
+    <pc:chgData name="Lasse Leuchtmann" userId="131693f92d42914b" providerId="LiveId" clId="{EEE78C16-FAA4-4CE9-92F2-EB5EAE5EA3E1}"/>
+    <pc:docChg chg="undo custSel modSld modSection">
+      <pc:chgData name="Lasse Leuchtmann" userId="131693f92d42914b" providerId="LiveId" clId="{EEE78C16-FAA4-4CE9-92F2-EB5EAE5EA3E1}" dt="2023-11-26T19:28:06.750" v="39" actId="17846"/>
+      <pc:docMkLst>
+        <pc:docMk/>
+      </pc:docMkLst>
+      <pc:sldChg chg="modSp mod">
+        <pc:chgData name="Lasse Leuchtmann" userId="131693f92d42914b" providerId="LiveId" clId="{EEE78C16-FAA4-4CE9-92F2-EB5EAE5EA3E1}" dt="2023-11-26T19:26:58.527" v="30" actId="6549"/>
+        <pc:sldMkLst>
+          <pc:docMk/>
+          <pc:sldMk cId="2305421967" sldId="259"/>
+        </pc:sldMkLst>
+        <pc:spChg chg="mod">
+          <ac:chgData name="Lasse Leuchtmann" userId="131693f92d42914b" providerId="LiveId" clId="{EEE78C16-FAA4-4CE9-92F2-EB5EAE5EA3E1}" dt="2023-11-26T19:26:58.527" v="30" actId="6549"/>
+          <ac:spMkLst>
+            <pc:docMk/>
+            <pc:sldMk cId="2305421967" sldId="259"/>
+            <ac:spMk id="2" creationId="{EA9ED2D6-3441-8752-310E-35EDAD7BAF59}"/>
+          </ac:spMkLst>
+        </pc:spChg>
+      </pc:sldChg>
+      <pc:sldChg chg="modSp mod">
+        <pc:chgData name="Lasse Leuchtmann" userId="131693f92d42914b" providerId="LiveId" clId="{EEE78C16-FAA4-4CE9-92F2-EB5EAE5EA3E1}" dt="2023-11-26T19:26:54.570" v="26" actId="6549"/>
+        <pc:sldMkLst>
+          <pc:docMk/>
+          <pc:sldMk cId="2303776848" sldId="260"/>
+        </pc:sldMkLst>
+        <pc:spChg chg="mod">
+          <ac:chgData name="Lasse Leuchtmann" userId="131693f92d42914b" providerId="LiveId" clId="{EEE78C16-FAA4-4CE9-92F2-EB5EAE5EA3E1}" dt="2023-11-26T19:26:54.570" v="26" actId="6549"/>
+          <ac:spMkLst>
+            <pc:docMk/>
+            <pc:sldMk cId="2303776848" sldId="260"/>
+            <ac:spMk id="2" creationId="{EA9ED2D6-3441-8752-310E-35EDAD7BAF59}"/>
+          </ac:spMkLst>
+        </pc:spChg>
+      </pc:sldChg>
+      <pc:sldChg chg="modSp mod">
+        <pc:chgData name="Lasse Leuchtmann" userId="131693f92d42914b" providerId="LiveId" clId="{EEE78C16-FAA4-4CE9-92F2-EB5EAE5EA3E1}" dt="2023-11-26T19:27:01.363" v="34" actId="6549"/>
+        <pc:sldMkLst>
+          <pc:docMk/>
+          <pc:sldMk cId="3082548176" sldId="261"/>
+        </pc:sldMkLst>
+        <pc:spChg chg="mod">
+          <ac:chgData name="Lasse Leuchtmann" userId="131693f92d42914b" providerId="LiveId" clId="{EEE78C16-FAA4-4CE9-92F2-EB5EAE5EA3E1}" dt="2023-11-26T19:27:01.363" v="34" actId="6549"/>
+          <ac:spMkLst>
+            <pc:docMk/>
+            <pc:sldMk cId="3082548176" sldId="261"/>
+            <ac:spMk id="2" creationId="{EA9ED2D6-3441-8752-310E-35EDAD7BAF59}"/>
+          </ac:spMkLst>
+        </pc:spChg>
+      </pc:sldChg>
+      <pc:sldChg chg="modSp mod">
+        <pc:chgData name="Lasse Leuchtmann" userId="131693f92d42914b" providerId="LiveId" clId="{EEE78C16-FAA4-4CE9-92F2-EB5EAE5EA3E1}" dt="2023-11-26T19:27:50.466" v="38" actId="6549"/>
+        <pc:sldMkLst>
+          <pc:docMk/>
+          <pc:sldMk cId="2313464783" sldId="262"/>
+        </pc:sldMkLst>
+        <pc:spChg chg="mod">
+          <ac:chgData name="Lasse Leuchtmann" userId="131693f92d42914b" providerId="LiveId" clId="{EEE78C16-FAA4-4CE9-92F2-EB5EAE5EA3E1}" dt="2023-11-26T19:26:41.891" v="17" actId="6549"/>
+          <ac:spMkLst>
+            <pc:docMk/>
+            <pc:sldMk cId="2313464783" sldId="262"/>
+            <ac:spMk id="2" creationId="{EA9ED2D6-3441-8752-310E-35EDAD7BAF59}"/>
+          </ac:spMkLst>
+        </pc:spChg>
+        <pc:spChg chg="mod">
+          <ac:chgData name="Lasse Leuchtmann" userId="131693f92d42914b" providerId="LiveId" clId="{EEE78C16-FAA4-4CE9-92F2-EB5EAE5EA3E1}" dt="2023-11-26T19:27:50.466" v="38" actId="6549"/>
+          <ac:spMkLst>
+            <pc:docMk/>
+            <pc:sldMk cId="2313464783" sldId="262"/>
+            <ac:spMk id="3" creationId="{FAB0DC7F-40D4-33A7-E61F-EB3B71208F49}"/>
+          </ac:spMkLst>
+        </pc:spChg>
+      </pc:sldChg>
+      <pc:sldChg chg="modSp mod">
+        <pc:chgData name="Lasse Leuchtmann" userId="131693f92d42914b" providerId="LiveId" clId="{EEE78C16-FAA4-4CE9-92F2-EB5EAE5EA3E1}" dt="2023-11-26T19:26:38.738" v="13" actId="6549"/>
+        <pc:sldMkLst>
+          <pc:docMk/>
+          <pc:sldMk cId="1463207794" sldId="263"/>
+        </pc:sldMkLst>
+        <pc:spChg chg="mod">
+          <ac:chgData name="Lasse Leuchtmann" userId="131693f92d42914b" providerId="LiveId" clId="{EEE78C16-FAA4-4CE9-92F2-EB5EAE5EA3E1}" dt="2023-11-26T19:26:38.738" v="13" actId="6549"/>
+          <ac:spMkLst>
+            <pc:docMk/>
+            <pc:sldMk cId="1463207794" sldId="263"/>
+            <ac:spMk id="2" creationId="{EA9ED2D6-3441-8752-310E-35EDAD7BAF59}"/>
+          </ac:spMkLst>
+        </pc:spChg>
+      </pc:sldChg>
+      <pc:sldChg chg="modSp mod">
+        <pc:chgData name="Lasse Leuchtmann" userId="131693f92d42914b" providerId="LiveId" clId="{EEE78C16-FAA4-4CE9-92F2-EB5EAE5EA3E1}" dt="2023-11-26T19:26:50.298" v="22" actId="6549"/>
+        <pc:sldMkLst>
+          <pc:docMk/>
+          <pc:sldMk cId="1932654612" sldId="264"/>
+        </pc:sldMkLst>
+        <pc:spChg chg="mod">
+          <ac:chgData name="Lasse Leuchtmann" userId="131693f92d42914b" providerId="LiveId" clId="{EEE78C16-FAA4-4CE9-92F2-EB5EAE5EA3E1}" dt="2023-11-26T19:26:50.298" v="22" actId="6549"/>
+          <ac:spMkLst>
+            <pc:docMk/>
+            <pc:sldMk cId="1932654612" sldId="264"/>
+            <ac:spMk id="2" creationId="{EA9ED2D6-3441-8752-310E-35EDAD7BAF59}"/>
+          </ac:spMkLst>
+        </pc:spChg>
+      </pc:sldChg>
+      <pc:sldChg chg="modSp mod">
+        <pc:chgData name="Lasse Leuchtmann" userId="131693f92d42914b" providerId="LiveId" clId="{EEE78C16-FAA4-4CE9-92F2-EB5EAE5EA3E1}" dt="2023-11-26T19:26:30.771" v="9" actId="6549"/>
+        <pc:sldMkLst>
+          <pc:docMk/>
+          <pc:sldMk cId="3887290898" sldId="265"/>
+        </pc:sldMkLst>
+        <pc:spChg chg="mod">
+          <ac:chgData name="Lasse Leuchtmann" userId="131693f92d42914b" providerId="LiveId" clId="{EEE78C16-FAA4-4CE9-92F2-EB5EAE5EA3E1}" dt="2023-11-26T19:26:30.771" v="9" actId="6549"/>
+          <ac:spMkLst>
+            <pc:docMk/>
+            <pc:sldMk cId="3887290898" sldId="265"/>
+            <ac:spMk id="2" creationId="{EA9ED2D6-3441-8752-310E-35EDAD7BAF59}"/>
+          </ac:spMkLst>
+        </pc:spChg>
+      </pc:sldChg>
+      <pc:sldChg chg="modSp mod">
+        <pc:chgData name="Lasse Leuchtmann" userId="131693f92d42914b" providerId="LiveId" clId="{EEE78C16-FAA4-4CE9-92F2-EB5EAE5EA3E1}" dt="2023-11-26T19:26:27.482" v="5" actId="6549"/>
+        <pc:sldMkLst>
+          <pc:docMk/>
+          <pc:sldMk cId="2518950447" sldId="266"/>
+        </pc:sldMkLst>
+        <pc:spChg chg="mod">
+          <ac:chgData name="Lasse Leuchtmann" userId="131693f92d42914b" providerId="LiveId" clId="{EEE78C16-FAA4-4CE9-92F2-EB5EAE5EA3E1}" dt="2023-11-26T19:26:27.482" v="5" actId="6549"/>
+          <ac:spMkLst>
+            <pc:docMk/>
+            <pc:sldMk cId="2518950447" sldId="266"/>
+            <ac:spMk id="2" creationId="{EA9ED2D6-3441-8752-310E-35EDAD7BAF59}"/>
+          </ac:spMkLst>
+        </pc:spChg>
+        <pc:spChg chg="mod">
+          <ac:chgData name="Lasse Leuchtmann" userId="131693f92d42914b" providerId="LiveId" clId="{EEE78C16-FAA4-4CE9-92F2-EB5EAE5EA3E1}" dt="2023-11-26T19:26:22.694" v="1" actId="6549"/>
+          <ac:spMkLst>
+            <pc:docMk/>
+            <pc:sldMk cId="2518950447" sldId="266"/>
+            <ac:spMk id="3" creationId="{FAB0DC7F-40D4-33A7-E61F-EB3B71208F49}"/>
+          </ac:spMkLst>
+        </pc:spChg>
+      </pc:sldChg>
+    </pc:docChg>
+  </pc:docChgLst>
 </pc:chgInfo>
 </file>
 
@@ -774,7 +911,7 @@
           <a:p>
             <a:fld id="{ABFE547B-828F-4569-AAC1-3589181B74A9}" type="datetimeFigureOut">
               <a:rPr lang="en-DK" smtClean="0"/>
-              <a:t>12/10/2023</a:t>
+              <a:t>26/11/2023</a:t>
             </a:fld>
             <a:endParaRPr lang="en-DK"/>
           </a:p>
@@ -974,7 +1111,7 @@
           <a:p>
             <a:fld id="{ABFE547B-828F-4569-AAC1-3589181B74A9}" type="datetimeFigureOut">
               <a:rPr lang="en-DK" smtClean="0"/>
-              <a:t>12/10/2023</a:t>
+              <a:t>26/11/2023</a:t>
             </a:fld>
             <a:endParaRPr lang="en-DK"/>
           </a:p>
@@ -1184,7 +1321,7 @@
           <a:p>
             <a:fld id="{ABFE547B-828F-4569-AAC1-3589181B74A9}" type="datetimeFigureOut">
               <a:rPr lang="en-DK" smtClean="0"/>
-              <a:t>12/10/2023</a:t>
+              <a:t>26/11/2023</a:t>
             </a:fld>
             <a:endParaRPr lang="en-DK"/>
           </a:p>
@@ -1384,7 +1521,7 @@
           <a:p>
             <a:fld id="{ABFE547B-828F-4569-AAC1-3589181B74A9}" type="datetimeFigureOut">
               <a:rPr lang="en-DK" smtClean="0"/>
-              <a:t>12/10/2023</a:t>
+              <a:t>26/11/2023</a:t>
             </a:fld>
             <a:endParaRPr lang="en-DK"/>
           </a:p>
@@ -1660,7 +1797,7 @@
           <a:p>
             <a:fld id="{ABFE547B-828F-4569-AAC1-3589181B74A9}" type="datetimeFigureOut">
               <a:rPr lang="en-DK" smtClean="0"/>
-              <a:t>12/10/2023</a:t>
+              <a:t>26/11/2023</a:t>
             </a:fld>
             <a:endParaRPr lang="en-DK"/>
           </a:p>
@@ -1928,7 +2065,7 @@
           <a:p>
             <a:fld id="{ABFE547B-828F-4569-AAC1-3589181B74A9}" type="datetimeFigureOut">
               <a:rPr lang="en-DK" smtClean="0"/>
-              <a:t>12/10/2023</a:t>
+              <a:t>26/11/2023</a:t>
             </a:fld>
             <a:endParaRPr lang="en-DK"/>
           </a:p>
@@ -2343,7 +2480,7 @@
           <a:p>
             <a:fld id="{ABFE547B-828F-4569-AAC1-3589181B74A9}" type="datetimeFigureOut">
               <a:rPr lang="en-DK" smtClean="0"/>
-              <a:t>12/10/2023</a:t>
+              <a:t>26/11/2023</a:t>
             </a:fld>
             <a:endParaRPr lang="en-DK"/>
           </a:p>
@@ -2485,7 +2622,7 @@
           <a:p>
             <a:fld id="{ABFE547B-828F-4569-AAC1-3589181B74A9}" type="datetimeFigureOut">
               <a:rPr lang="en-DK" smtClean="0"/>
-              <a:t>12/10/2023</a:t>
+              <a:t>26/11/2023</a:t>
             </a:fld>
             <a:endParaRPr lang="en-DK"/>
           </a:p>
@@ -2598,7 +2735,7 @@
           <a:p>
             <a:fld id="{ABFE547B-828F-4569-AAC1-3589181B74A9}" type="datetimeFigureOut">
               <a:rPr lang="en-DK" smtClean="0"/>
-              <a:t>12/10/2023</a:t>
+              <a:t>26/11/2023</a:t>
             </a:fld>
             <a:endParaRPr lang="en-DK"/>
           </a:p>
@@ -2911,7 +3048,7 @@
           <a:p>
             <a:fld id="{ABFE547B-828F-4569-AAC1-3589181B74A9}" type="datetimeFigureOut">
               <a:rPr lang="en-DK" smtClean="0"/>
-              <a:t>12/10/2023</a:t>
+              <a:t>26/11/2023</a:t>
             </a:fld>
             <a:endParaRPr lang="en-DK"/>
           </a:p>
@@ -3200,7 +3337,7 @@
           <a:p>
             <a:fld id="{ABFE547B-828F-4569-AAC1-3589181B74A9}" type="datetimeFigureOut">
               <a:rPr lang="en-DK" smtClean="0"/>
-              <a:t>12/10/2023</a:t>
+              <a:t>26/11/2023</a:t>
             </a:fld>
             <a:endParaRPr lang="en-DK"/>
           </a:p>
@@ -3443,7 +3580,7 @@
           <a:p>
             <a:fld id="{ABFE547B-828F-4569-AAC1-3589181B74A9}" type="datetimeFigureOut">
               <a:rPr lang="en-DK" smtClean="0"/>
-              <a:t>12/10/2023</a:t>
+              <a:t>26/11/2023</a:t>
             </a:fld>
             <a:endParaRPr lang="en-DK"/>
           </a:p>
@@ -3974,8 +4111,8 @@
           <a:lstStyle/>
           <a:p>
             <a:r>
-              <a:rPr lang="en-US" dirty="0"/>
-              <a:t>Triseg2022</a:t>
+              <a:rPr lang="en-US" dirty="0" err="1"/>
+              <a:t>Triseg</a:t>
             </a:r>
             <a:endParaRPr lang="en-DK" dirty="0"/>
           </a:p>
@@ -4676,8 +4813,8 @@
           <a:lstStyle/>
           <a:p>
             <a:r>
-              <a:rPr lang="en-US" dirty="0"/>
-              <a:t>Triseg2022</a:t>
+              <a:rPr lang="en-US" dirty="0" err="1"/>
+              <a:t>Triseg</a:t>
             </a:r>
             <a:endParaRPr lang="en-DK" dirty="0"/>
           </a:p>
@@ -5961,7 +6098,7 @@
           <a:p>
             <a:r>
               <a:rPr lang="en-US" dirty="0"/>
-              <a:t>Chamber2022</a:t>
+              <a:t>Chamber</a:t>
             </a:r>
             <a:endParaRPr lang="en-DK" dirty="0"/>
           </a:p>
@@ -6129,7 +6266,7 @@
           <a:p>
             <a:r>
               <a:rPr lang="en-US" dirty="0"/>
-              <a:t>Chamber2022</a:t>
+              <a:t>Chamber</a:t>
             </a:r>
             <a:endParaRPr lang="en-DK" dirty="0"/>
           </a:p>
@@ -6554,7 +6691,7 @@
           <a:p>
             <a:r>
               <a:rPr lang="en-US" dirty="0"/>
-              <a:t>Chamber2022</a:t>
+              <a:t>Chamber</a:t>
             </a:r>
             <a:endParaRPr lang="en-DK" dirty="0"/>
           </a:p>
@@ -6938,14 +7075,19 @@
             <p:ph type="title"/>
           </p:nvPr>
         </p:nvSpPr>
-        <p:spPr/>
+        <p:spPr>
+          <a:xfrm>
+            <a:off x="852268" y="365125"/>
+            <a:ext cx="10515600" cy="1325563"/>
+          </a:xfrm>
+        </p:spPr>
         <p:txBody>
           <a:bodyPr/>
           <a:lstStyle/>
           <a:p>
             <a:r>
               <a:rPr lang="en-US" dirty="0"/>
-              <a:t>Chamber2022</a:t>
+              <a:t>Chamber</a:t>
             </a:r>
             <a:endParaRPr lang="en-DK" dirty="0"/>
           </a:p>
@@ -7422,8 +7564,8 @@
           <a:lstStyle/>
           <a:p>
             <a:r>
-              <a:rPr lang="en-US" dirty="0"/>
-              <a:t>Triseg2022</a:t>
+              <a:rPr lang="en-US" dirty="0" err="1"/>
+              <a:t>Triseg</a:t>
             </a:r>
             <a:endParaRPr lang="en-DK" dirty="0"/>
           </a:p>
@@ -7492,8 +7634,12 @@
           <a:p>
             <a:pPr lvl="1"/>
             <a:r>
-              <a:rPr lang="en-US" dirty="0"/>
-              <a:t>Triseg2022 </a:t>
+              <a:rPr lang="en-US" dirty="0" err="1"/>
+              <a:t>Triseg</a:t>
+            </a:r>
+            <a:r>
+              <a:rPr lang="en-US" dirty="0"/>
+              <a:t> </a:t>
             </a:r>
             <a:r>
               <a:rPr lang="en-US" dirty="0" err="1"/>
@@ -7634,8 +7780,8 @@
           <a:lstStyle/>
           <a:p>
             <a:r>
-              <a:rPr lang="en-US" dirty="0"/>
-              <a:t>Triseg2022</a:t>
+              <a:rPr lang="en-US" dirty="0" err="1"/>
+              <a:t>Triseg</a:t>
             </a:r>
             <a:endParaRPr lang="en-DK" dirty="0"/>
           </a:p>
